--- a/deliverables/presentation.pptx
+++ b/deliverables/presentation.pptx
@@ -22,6 +22,15 @@
   </p:sldIdLst>
   <p:sldSz cx="12192000" cy="6858000"/>
   <p:notesSz cx="6858000" cy="9144000"/>
+  <p:custShowLst>
+    <p:custShow name="Custom Show 1" id="0">
+      <p:sldLst>
+        <p:sld r:id="rId7"/>
+        <p:sld r:id="rId8"/>
+        <p:sld r:id="rId9"/>
+      </p:sldLst>
+    </p:custShow>
+  </p:custShowLst>
   <p:defaultTextStyle>
     <a:defPPr>
       <a:defRPr lang="en-US"/>
@@ -7143,7 +7152,7 @@
         </p:nvSpPr>
         <p:spPr>
           <a:xfrm>
-            <a:off x="3707028" y="1708306"/>
+            <a:off x="3334696" y="1760346"/>
             <a:ext cx="1952367" cy="369332"/>
           </a:xfrm>
           <a:prstGeom prst="rect">
@@ -7179,7 +7188,7 @@
         </p:nvSpPr>
         <p:spPr>
           <a:xfrm>
-            <a:off x="553997" y="1708306"/>
+            <a:off x="536186" y="1751030"/>
             <a:ext cx="1657862" cy="369332"/>
           </a:xfrm>
           <a:prstGeom prst="rect">
@@ -7215,7 +7224,7 @@
         </p:nvSpPr>
         <p:spPr>
           <a:xfrm>
-            <a:off x="2195390" y="1708306"/>
+            <a:off x="1921105" y="1760346"/>
             <a:ext cx="1657862" cy="369332"/>
           </a:xfrm>
           <a:prstGeom prst="rect">
